--- a/MINI PROJECT 1.pptx
+++ b/MINI PROJECT 1.pptx
@@ -117,6 +117,87 @@
     </p:ext>
   </p:extLst>
 </p:presentation>
+</file>
+
+<file path=ppt/revisionInfo.xml><?xml version="1.0" encoding="utf-8"?>
+<p1510:revInfo xmlns:a="http://schemas.openxmlformats.org/drawingml/2006/main" xmlns:r="http://schemas.openxmlformats.org/officeDocument/2006/relationships" xmlns:p1510="http://schemas.microsoft.com/office/powerpoint/2015/10/main">
+  <p1510:revLst>
+    <p1510:client id="{A6739E71-97C4-401A-AD9C-BC70EB730AEB}" v="206" dt="2023-05-24T05:57:12.594"/>
+  </p1510:revLst>
+</p1510:revInfo>
+</file>
+
+<file path=ppt/changesInfos/changesInfo1.xml><?xml version="1.0" encoding="utf-8"?>
+<pc:chgInfo xmlns:a="http://schemas.openxmlformats.org/drawingml/2006/main" xmlns:r="http://schemas.openxmlformats.org/officeDocument/2006/relationships" xmlns:ac="http://schemas.microsoft.com/office/drawing/2013/main/command" xmlns:pc="http://schemas.microsoft.com/office/powerpoint/2013/main/command">
+  <pc:docChgLst>
+    <pc:chgData name="Ian" userId="778b0e33f48345f3" providerId="LiveId" clId="{A6739E71-97C4-401A-AD9C-BC70EB730AEB}"/>
+    <pc:docChg chg="modSld">
+      <pc:chgData name="Ian" userId="778b0e33f48345f3" providerId="LiveId" clId="{A6739E71-97C4-401A-AD9C-BC70EB730AEB}" dt="2023-05-24T05:57:12.593" v="366" actId="20577"/>
+      <pc:docMkLst>
+        <pc:docMk/>
+      </pc:docMkLst>
+      <pc:sldChg chg="modTransition">
+        <pc:chgData name="Ian" userId="778b0e33f48345f3" providerId="LiveId" clId="{A6739E71-97C4-401A-AD9C-BC70EB730AEB}" dt="2023-05-24T03:27:27.138" v="57"/>
+        <pc:sldMkLst>
+          <pc:docMk/>
+          <pc:sldMk cId="1205248810" sldId="274"/>
+        </pc:sldMkLst>
+      </pc:sldChg>
+      <pc:sldChg chg="modTransition modAnim">
+        <pc:chgData name="Ian" userId="778b0e33f48345f3" providerId="LiveId" clId="{A6739E71-97C4-401A-AD9C-BC70EB730AEB}" dt="2023-05-24T03:27:05.131" v="52"/>
+        <pc:sldMkLst>
+          <pc:docMk/>
+          <pc:sldMk cId="2633271797" sldId="307"/>
+        </pc:sldMkLst>
+      </pc:sldChg>
+      <pc:sldChg chg="modSp mod modAnim">
+        <pc:chgData name="Ian" userId="778b0e33f48345f3" providerId="LiveId" clId="{A6739E71-97C4-401A-AD9C-BC70EB730AEB}" dt="2023-05-24T03:56:36.255" v="178" actId="255"/>
+        <pc:sldMkLst>
+          <pc:docMk/>
+          <pc:sldMk cId="3959240926" sldId="308"/>
+        </pc:sldMkLst>
+        <pc:spChg chg="mod">
+          <ac:chgData name="Ian" userId="778b0e33f48345f3" providerId="LiveId" clId="{A6739E71-97C4-401A-AD9C-BC70EB730AEB}" dt="2023-05-24T03:56:36.255" v="178" actId="255"/>
+          <ac:spMkLst>
+            <pc:docMk/>
+            <pc:sldMk cId="3959240926" sldId="308"/>
+            <ac:spMk id="3" creationId="{6BEBDECE-C980-2265-2FB4-3CCCF05798FC}"/>
+          </ac:spMkLst>
+        </pc:spChg>
+      </pc:sldChg>
+      <pc:sldChg chg="modSp mod modTransition modAnim">
+        <pc:chgData name="Ian" userId="778b0e33f48345f3" providerId="LiveId" clId="{A6739E71-97C4-401A-AD9C-BC70EB730AEB}" dt="2023-05-24T05:57:12.593" v="366" actId="20577"/>
+        <pc:sldMkLst>
+          <pc:docMk/>
+          <pc:sldMk cId="1585864942" sldId="309"/>
+        </pc:sldMkLst>
+        <pc:spChg chg="mod">
+          <ac:chgData name="Ian" userId="778b0e33f48345f3" providerId="LiveId" clId="{A6739E71-97C4-401A-AD9C-BC70EB730AEB}" dt="2023-05-24T05:57:12.593" v="366" actId="20577"/>
+          <ac:spMkLst>
+            <pc:docMk/>
+            <pc:sldMk cId="1585864942" sldId="309"/>
+            <ac:spMk id="3" creationId="{0CDB353E-FC7A-E80B-1E79-242E3D127FDF}"/>
+          </ac:spMkLst>
+        </pc:spChg>
+      </pc:sldChg>
+      <pc:sldChg chg="modSp mod modTransition modAnim">
+        <pc:chgData name="Ian" userId="778b0e33f48345f3" providerId="LiveId" clId="{A6739E71-97C4-401A-AD9C-BC70EB730AEB}" dt="2023-05-24T05:56:34.198" v="352" actId="20577"/>
+        <pc:sldMkLst>
+          <pc:docMk/>
+          <pc:sldMk cId="2955269679" sldId="310"/>
+        </pc:sldMkLst>
+        <pc:spChg chg="mod">
+          <ac:chgData name="Ian" userId="778b0e33f48345f3" providerId="LiveId" clId="{A6739E71-97C4-401A-AD9C-BC70EB730AEB}" dt="2023-05-24T05:56:34.198" v="352" actId="20577"/>
+          <ac:spMkLst>
+            <pc:docMk/>
+            <pc:sldMk cId="2955269679" sldId="310"/>
+            <ac:spMk id="3" creationId="{735C8D9D-E9F6-5D04-57A4-482CFDBDD94E}"/>
+          </ac:spMkLst>
+        </pc:spChg>
+      </pc:sldChg>
+    </pc:docChg>
+  </pc:docChgLst>
+</pc:chgInfo>
 </file>
 
 <file path=ppt/diagrams/colors1.xml><?xml version="1.0" encoding="utf-8"?>
@@ -3014,7 +3095,7 @@
           <a:p>
             <a:fld id="{078DDDEA-63BC-40A0-8BC0-D6413F38691F}" type="datetimeFigureOut">
               <a:rPr lang="en-US" smtClean="0"/>
-              <a:t>5/23/2023</a:t>
+              <a:t>5/24/2023</a:t>
             </a:fld>
             <a:endParaRPr lang="en-US" dirty="0"/>
           </a:p>
@@ -3651,7 +3732,7 @@
           <a:p>
             <a:fld id="{ED291B17-9318-49DB-B28B-6E5994AE9581}" type="datetime1">
               <a:rPr lang="en-US" smtClean="0"/>
-              <a:t>5/23/2023</a:t>
+              <a:t>5/24/2023</a:t>
             </a:fld>
             <a:endParaRPr lang="en-US" dirty="0"/>
           </a:p>
@@ -3859,7 +3940,7 @@
           <a:p>
             <a:fld id="{ED291B17-9318-49DB-B28B-6E5994AE9581}" type="datetime1">
               <a:rPr lang="en-US" smtClean="0"/>
-              <a:t>5/23/2023</a:t>
+              <a:t>5/24/2023</a:t>
             </a:fld>
             <a:endParaRPr lang="en-US" dirty="0"/>
           </a:p>
@@ -4116,7 +4197,7 @@
           <a:p>
             <a:fld id="{ED291B17-9318-49DB-B28B-6E5994AE9581}" type="datetime1">
               <a:rPr lang="en-US" smtClean="0"/>
-              <a:t>5/23/2023</a:t>
+              <a:t>5/24/2023</a:t>
             </a:fld>
             <a:endParaRPr lang="en-US" dirty="0"/>
           </a:p>
@@ -4291,7 +4372,7 @@
           <a:p>
             <a:fld id="{ED291B17-9318-49DB-B28B-6E5994AE9581}" type="datetime1">
               <a:rPr lang="en-US" smtClean="0"/>
-              <a:t>5/23/2023</a:t>
+              <a:t>5/24/2023</a:t>
             </a:fld>
             <a:endParaRPr lang="en-US" dirty="0"/>
           </a:p>
@@ -4635,7 +4716,7 @@
           <a:p>
             <a:fld id="{B2497495-0637-405E-AE64-5CC7506D51F5}" type="datetime1">
               <a:rPr lang="en-US" smtClean="0"/>
-              <a:t>5/23/2023</a:t>
+              <a:t>5/24/2023</a:t>
             </a:fld>
             <a:endParaRPr lang="en-US" dirty="0"/>
           </a:p>
@@ -4910,7 +4991,7 @@
           <a:p>
             <a:fld id="{ED291B17-9318-49DB-B28B-6E5994AE9581}" type="datetime1">
               <a:rPr lang="en-US" smtClean="0"/>
-              <a:t>5/23/2023</a:t>
+              <a:t>5/24/2023</a:t>
             </a:fld>
             <a:endParaRPr lang="en-US" dirty="0"/>
           </a:p>
@@ -5290,7 +5371,7 @@
           <a:p>
             <a:fld id="{ED291B17-9318-49DB-B28B-6E5994AE9581}" type="datetime1">
               <a:rPr lang="en-US" smtClean="0"/>
-              <a:t>5/23/2023</a:t>
+              <a:t>5/24/2023</a:t>
             </a:fld>
             <a:endParaRPr lang="en-US" dirty="0"/>
           </a:p>
@@ -5409,7 +5490,7 @@
           <a:p>
             <a:fld id="{5DB4ED54-5B5E-4A04-93D3-5772E3CE3818}" type="datetime1">
               <a:rPr lang="en-US" smtClean="0"/>
-              <a:t>5/23/2023</a:t>
+              <a:t>5/24/2023</a:t>
             </a:fld>
             <a:endParaRPr lang="en-US" dirty="0"/>
           </a:p>
@@ -5580,7 +5661,7 @@
           <a:p>
             <a:fld id="{4EDE50D6-574B-40AF-946F-D52A04ADE379}" type="datetime1">
               <a:rPr lang="en-US" smtClean="0"/>
-              <a:t>5/23/2023</a:t>
+              <a:t>5/24/2023</a:t>
             </a:fld>
             <a:endParaRPr lang="en-US" dirty="0"/>
           </a:p>
@@ -5934,7 +6015,7 @@
           <a:p>
             <a:fld id="{ED291B17-9318-49DB-B28B-6E5994AE9581}" type="datetime1">
               <a:rPr lang="en-US" smtClean="0"/>
-              <a:t>5/23/2023</a:t>
+              <a:t>5/24/2023</a:t>
             </a:fld>
             <a:endParaRPr lang="en-US" dirty="0"/>
           </a:p>
@@ -6317,7 +6398,7 @@
           <a:p>
             <a:fld id="{ED291B17-9318-49DB-B28B-6E5994AE9581}" type="datetime1">
               <a:rPr lang="en-US" smtClean="0"/>
-              <a:t>5/23/2023</a:t>
+              <a:t>5/24/2023</a:t>
             </a:fld>
             <a:endParaRPr lang="en-US" dirty="0"/>
           </a:p>
@@ -6605,7 +6686,7 @@
           <a:p>
             <a:fld id="{ED291B17-9318-49DB-B28B-6E5994AE9581}" type="datetime1">
               <a:rPr lang="en-US" smtClean="0"/>
-              <a:t>5/23/2023</a:t>
+              <a:t>5/24/2023</a:t>
             </a:fld>
             <a:endParaRPr lang="en-US" dirty="0"/>
           </a:p>
@@ -7287,6 +7368,18 @@
   <p:clrMapOvr>
     <a:overrideClrMapping bg1="dk1" tx1="lt1" bg2="dk2" tx2="lt2" accent1="accent1" accent2="accent2" accent3="accent3" accent4="accent4" accent5="accent5" accent6="accent6" hlink="hlink" folHlink="folHlink"/>
   </p:clrMapOvr>
+  <mc:AlternateContent xmlns:mc="http://schemas.openxmlformats.org/markup-compatibility/2006" xmlns:p159="http://schemas.microsoft.com/office/powerpoint/2015/09/main">
+    <mc:Choice Requires="p159">
+      <p:transition xmlns:p14="http://schemas.microsoft.com/office/powerpoint/2010/main" spd="slow" p14:dur="2000">
+        <p159:morph option="byObject"/>
+      </p:transition>
+    </mc:Choice>
+    <mc:Fallback xmlns="">
+      <p:transition spd="slow">
+        <p:fade/>
+      </p:transition>
+    </mc:Fallback>
+  </mc:AlternateContent>
 </p:sld>
 </file>
 
@@ -7418,6 +7511,106 @@
   <p:clrMapOvr>
     <a:masterClrMapping/>
   </p:clrMapOvr>
+  <mc:AlternateContent xmlns:mc="http://schemas.openxmlformats.org/markup-compatibility/2006" xmlns:p14="http://schemas.microsoft.com/office/powerpoint/2010/main">
+    <mc:Choice Requires="p14">
+      <p:transition spd="med" p14:dur="700">
+        <p:fade/>
+      </p:transition>
+    </mc:Choice>
+    <mc:Fallback xmlns="">
+      <p:transition spd="med">
+        <p:fade/>
+      </p:transition>
+    </mc:Fallback>
+  </mc:AlternateContent>
+  <p:timing>
+    <p:tnLst>
+      <p:par>
+        <p:cTn id="1" dur="indefinite" restart="never" nodeType="tmRoot">
+          <p:childTnLst>
+            <p:seq concurrent="1" nextAc="seek">
+              <p:cTn id="2" dur="indefinite" nodeType="mainSeq">
+                <p:childTnLst>
+                  <p:par>
+                    <p:cTn id="3" fill="hold">
+                      <p:stCondLst>
+                        <p:cond delay="indefinite"/>
+                      </p:stCondLst>
+                      <p:childTnLst>
+                        <p:par>
+                          <p:cTn id="4" fill="hold">
+                            <p:stCondLst>
+                              <p:cond delay="0"/>
+                            </p:stCondLst>
+                            <p:childTnLst>
+                              <p:par>
+                                <p:cTn id="5" presetID="10" presetClass="entr" presetSubtype="0" fill="hold" grpId="0" nodeType="clickEffect">
+                                  <p:stCondLst>
+                                    <p:cond delay="0"/>
+                                  </p:stCondLst>
+                                  <p:childTnLst>
+                                    <p:set>
+                                      <p:cBhvr>
+                                        <p:cTn id="6" dur="1" fill="hold">
+                                          <p:stCondLst>
+                                            <p:cond delay="0"/>
+                                          </p:stCondLst>
+                                        </p:cTn>
+                                        <p:tgtEl>
+                                          <p:spTgt spid="5"/>
+                                        </p:tgtEl>
+                                        <p:attrNameLst>
+                                          <p:attrName>style.visibility</p:attrName>
+                                        </p:attrNameLst>
+                                      </p:cBhvr>
+                                      <p:to>
+                                        <p:strVal val="visible"/>
+                                      </p:to>
+                                    </p:set>
+                                    <p:animEffect transition="in" filter="fade">
+                                      <p:cBhvr>
+                                        <p:cTn id="7" dur="500"/>
+                                        <p:tgtEl>
+                                          <p:spTgt spid="5"/>
+                                        </p:tgtEl>
+                                      </p:cBhvr>
+                                    </p:animEffect>
+                                  </p:childTnLst>
+                                </p:cTn>
+                              </p:par>
+                            </p:childTnLst>
+                          </p:cTn>
+                        </p:par>
+                      </p:childTnLst>
+                    </p:cTn>
+                  </p:par>
+                </p:childTnLst>
+              </p:cTn>
+              <p:prevCondLst>
+                <p:cond evt="onPrev" delay="0">
+                  <p:tgtEl>
+                    <p:sldTgt/>
+                  </p:tgtEl>
+                </p:cond>
+              </p:prevCondLst>
+              <p:nextCondLst>
+                <p:cond evt="onNext" delay="0">
+                  <p:tgtEl>
+                    <p:sldTgt/>
+                  </p:tgtEl>
+                </p:cond>
+              </p:nextCondLst>
+            </p:seq>
+          </p:childTnLst>
+        </p:cTn>
+      </p:par>
+    </p:tnLst>
+    <p:bldLst>
+      <p:bldGraphic spid="5" grpId="0">
+        <p:bldAsOne/>
+      </p:bldGraphic>
+    </p:bldLst>
+  </p:timing>
 </p:sld>
 </file>
 
@@ -7506,17 +7699,18 @@
           <a:p>
             <a:r>
               <a:rPr lang="en-PH" sz="1800" dirty="0"/>
-              <a:t>To make the Buyer buys without to much hustle.</a:t>
-            </a:r>
-          </a:p>
-          <a:p>
-            <a:endParaRPr lang="en-PH" sz="1800" dirty="0"/>
-          </a:p>
-          <a:p>
-            <a:r>
-              <a:rPr lang="en-PH" sz="1800" dirty="0"/>
               <a:t>Enable to Collaborate and Work with Us.</a:t>
             </a:r>
+          </a:p>
+          <a:p>
+            <a:endParaRPr lang="en-PH" sz="1800" dirty="0"/>
+          </a:p>
+          <a:p>
+            <a:r>
+              <a:rPr lang="en-US" sz="1800" dirty="0"/>
+              <a:t>To revolutionize Web 3 through relentless innovation, leaving an unforgettable mark on the digital sphere.</a:t>
+            </a:r>
+            <a:endParaRPr lang="en-PH" sz="1800" dirty="0"/>
           </a:p>
           <a:p>
             <a:endParaRPr lang="en-PH" sz="1800" dirty="0"/>
@@ -7542,6 +7736,384 @@
   <p:clrMapOvr>
     <a:masterClrMapping/>
   </p:clrMapOvr>
+  <p:timing>
+    <p:tnLst>
+      <p:par>
+        <p:cTn id="1" dur="indefinite" restart="never" nodeType="tmRoot">
+          <p:childTnLst>
+            <p:seq concurrent="1" nextAc="seek">
+              <p:cTn id="2" dur="indefinite" nodeType="mainSeq">
+                <p:childTnLst>
+                  <p:par>
+                    <p:cTn id="3" fill="hold">
+                      <p:stCondLst>
+                        <p:cond delay="indefinite"/>
+                      </p:stCondLst>
+                      <p:childTnLst>
+                        <p:par>
+                          <p:cTn id="4" fill="hold">
+                            <p:stCondLst>
+                              <p:cond delay="0"/>
+                            </p:stCondLst>
+                            <p:childTnLst>
+                              <p:par>
+                                <p:cTn id="5" presetID="53" presetClass="entr" presetSubtype="16" fill="hold" grpId="0" nodeType="clickEffect">
+                                  <p:stCondLst>
+                                    <p:cond delay="0"/>
+                                  </p:stCondLst>
+                                  <p:childTnLst>
+                                    <p:set>
+                                      <p:cBhvr>
+                                        <p:cTn id="6" dur="1" fill="hold">
+                                          <p:stCondLst>
+                                            <p:cond delay="0"/>
+                                          </p:stCondLst>
+                                        </p:cTn>
+                                        <p:tgtEl>
+                                          <p:spTgt spid="3">
+                                            <p:txEl>
+                                              <p:pRg st="1" end="1"/>
+                                            </p:txEl>
+                                          </p:spTgt>
+                                        </p:tgtEl>
+                                        <p:attrNameLst>
+                                          <p:attrName>style.visibility</p:attrName>
+                                        </p:attrNameLst>
+                                      </p:cBhvr>
+                                      <p:to>
+                                        <p:strVal val="visible"/>
+                                      </p:to>
+                                    </p:set>
+                                    <p:anim calcmode="lin" valueType="num">
+                                      <p:cBhvr>
+                                        <p:cTn id="7" dur="500" fill="hold"/>
+                                        <p:tgtEl>
+                                          <p:spTgt spid="3">
+                                            <p:txEl>
+                                              <p:pRg st="1" end="1"/>
+                                            </p:txEl>
+                                          </p:spTgt>
+                                        </p:tgtEl>
+                                        <p:attrNameLst>
+                                          <p:attrName>ppt_w</p:attrName>
+                                        </p:attrNameLst>
+                                      </p:cBhvr>
+                                      <p:tavLst>
+                                        <p:tav tm="0">
+                                          <p:val>
+                                            <p:fltVal val="0"/>
+                                          </p:val>
+                                        </p:tav>
+                                        <p:tav tm="100000">
+                                          <p:val>
+                                            <p:strVal val="#ppt_w"/>
+                                          </p:val>
+                                        </p:tav>
+                                      </p:tavLst>
+                                    </p:anim>
+                                    <p:anim calcmode="lin" valueType="num">
+                                      <p:cBhvr>
+                                        <p:cTn id="8" dur="500" fill="hold"/>
+                                        <p:tgtEl>
+                                          <p:spTgt spid="3">
+                                            <p:txEl>
+                                              <p:pRg st="1" end="1"/>
+                                            </p:txEl>
+                                          </p:spTgt>
+                                        </p:tgtEl>
+                                        <p:attrNameLst>
+                                          <p:attrName>ppt_h</p:attrName>
+                                        </p:attrNameLst>
+                                      </p:cBhvr>
+                                      <p:tavLst>
+                                        <p:tav tm="0">
+                                          <p:val>
+                                            <p:fltVal val="0"/>
+                                          </p:val>
+                                        </p:tav>
+                                        <p:tav tm="100000">
+                                          <p:val>
+                                            <p:strVal val="#ppt_h"/>
+                                          </p:val>
+                                        </p:tav>
+                                      </p:tavLst>
+                                    </p:anim>
+                                    <p:animEffect transition="in" filter="fade">
+                                      <p:cBhvr>
+                                        <p:cTn id="9" dur="500"/>
+                                        <p:tgtEl>
+                                          <p:spTgt spid="3">
+                                            <p:txEl>
+                                              <p:pRg st="1" end="1"/>
+                                            </p:txEl>
+                                          </p:spTgt>
+                                        </p:tgtEl>
+                                      </p:cBhvr>
+                                    </p:animEffect>
+                                  </p:childTnLst>
+                                </p:cTn>
+                              </p:par>
+                            </p:childTnLst>
+                          </p:cTn>
+                        </p:par>
+                      </p:childTnLst>
+                    </p:cTn>
+                  </p:par>
+                  <p:par>
+                    <p:cTn id="10" fill="hold">
+                      <p:stCondLst>
+                        <p:cond delay="indefinite"/>
+                      </p:stCondLst>
+                      <p:childTnLst>
+                        <p:par>
+                          <p:cTn id="11" fill="hold">
+                            <p:stCondLst>
+                              <p:cond delay="0"/>
+                            </p:stCondLst>
+                            <p:childTnLst>
+                              <p:par>
+                                <p:cTn id="12" presetID="53" presetClass="entr" presetSubtype="16" fill="hold" grpId="0" nodeType="clickEffect">
+                                  <p:stCondLst>
+                                    <p:cond delay="0"/>
+                                  </p:stCondLst>
+                                  <p:childTnLst>
+                                    <p:set>
+                                      <p:cBhvr>
+                                        <p:cTn id="13" dur="1" fill="hold">
+                                          <p:stCondLst>
+                                            <p:cond delay="0"/>
+                                          </p:stCondLst>
+                                        </p:cTn>
+                                        <p:tgtEl>
+                                          <p:spTgt spid="3">
+                                            <p:txEl>
+                                              <p:pRg st="3" end="3"/>
+                                            </p:txEl>
+                                          </p:spTgt>
+                                        </p:tgtEl>
+                                        <p:attrNameLst>
+                                          <p:attrName>style.visibility</p:attrName>
+                                        </p:attrNameLst>
+                                      </p:cBhvr>
+                                      <p:to>
+                                        <p:strVal val="visible"/>
+                                      </p:to>
+                                    </p:set>
+                                    <p:anim calcmode="lin" valueType="num">
+                                      <p:cBhvr>
+                                        <p:cTn id="14" dur="500" fill="hold"/>
+                                        <p:tgtEl>
+                                          <p:spTgt spid="3">
+                                            <p:txEl>
+                                              <p:pRg st="3" end="3"/>
+                                            </p:txEl>
+                                          </p:spTgt>
+                                        </p:tgtEl>
+                                        <p:attrNameLst>
+                                          <p:attrName>ppt_w</p:attrName>
+                                        </p:attrNameLst>
+                                      </p:cBhvr>
+                                      <p:tavLst>
+                                        <p:tav tm="0">
+                                          <p:val>
+                                            <p:fltVal val="0"/>
+                                          </p:val>
+                                        </p:tav>
+                                        <p:tav tm="100000">
+                                          <p:val>
+                                            <p:strVal val="#ppt_w"/>
+                                          </p:val>
+                                        </p:tav>
+                                      </p:tavLst>
+                                    </p:anim>
+                                    <p:anim calcmode="lin" valueType="num">
+                                      <p:cBhvr>
+                                        <p:cTn id="15" dur="500" fill="hold"/>
+                                        <p:tgtEl>
+                                          <p:spTgt spid="3">
+                                            <p:txEl>
+                                              <p:pRg st="3" end="3"/>
+                                            </p:txEl>
+                                          </p:spTgt>
+                                        </p:tgtEl>
+                                        <p:attrNameLst>
+                                          <p:attrName>ppt_h</p:attrName>
+                                        </p:attrNameLst>
+                                      </p:cBhvr>
+                                      <p:tavLst>
+                                        <p:tav tm="0">
+                                          <p:val>
+                                            <p:fltVal val="0"/>
+                                          </p:val>
+                                        </p:tav>
+                                        <p:tav tm="100000">
+                                          <p:val>
+                                            <p:strVal val="#ppt_h"/>
+                                          </p:val>
+                                        </p:tav>
+                                      </p:tavLst>
+                                    </p:anim>
+                                    <p:animEffect transition="in" filter="fade">
+                                      <p:cBhvr>
+                                        <p:cTn id="16" dur="500"/>
+                                        <p:tgtEl>
+                                          <p:spTgt spid="3">
+                                            <p:txEl>
+                                              <p:pRg st="3" end="3"/>
+                                            </p:txEl>
+                                          </p:spTgt>
+                                        </p:tgtEl>
+                                      </p:cBhvr>
+                                    </p:animEffect>
+                                  </p:childTnLst>
+                                </p:cTn>
+                              </p:par>
+                            </p:childTnLst>
+                          </p:cTn>
+                        </p:par>
+                      </p:childTnLst>
+                    </p:cTn>
+                  </p:par>
+                  <p:par>
+                    <p:cTn id="17" fill="hold">
+                      <p:stCondLst>
+                        <p:cond delay="indefinite"/>
+                      </p:stCondLst>
+                      <p:childTnLst>
+                        <p:par>
+                          <p:cTn id="18" fill="hold">
+                            <p:stCondLst>
+                              <p:cond delay="0"/>
+                            </p:stCondLst>
+                            <p:childTnLst>
+                              <p:par>
+                                <p:cTn id="19" presetID="53" presetClass="entr" presetSubtype="16" fill="hold" grpId="0" nodeType="clickEffect">
+                                  <p:stCondLst>
+                                    <p:cond delay="0"/>
+                                  </p:stCondLst>
+                                  <p:childTnLst>
+                                    <p:set>
+                                      <p:cBhvr>
+                                        <p:cTn id="20" dur="1" fill="hold">
+                                          <p:stCondLst>
+                                            <p:cond delay="0"/>
+                                          </p:stCondLst>
+                                        </p:cTn>
+                                        <p:tgtEl>
+                                          <p:spTgt spid="3">
+                                            <p:txEl>
+                                              <p:pRg st="5" end="5"/>
+                                            </p:txEl>
+                                          </p:spTgt>
+                                        </p:tgtEl>
+                                        <p:attrNameLst>
+                                          <p:attrName>style.visibility</p:attrName>
+                                        </p:attrNameLst>
+                                      </p:cBhvr>
+                                      <p:to>
+                                        <p:strVal val="visible"/>
+                                      </p:to>
+                                    </p:set>
+                                    <p:anim calcmode="lin" valueType="num">
+                                      <p:cBhvr>
+                                        <p:cTn id="21" dur="500" fill="hold"/>
+                                        <p:tgtEl>
+                                          <p:spTgt spid="3">
+                                            <p:txEl>
+                                              <p:pRg st="5" end="5"/>
+                                            </p:txEl>
+                                          </p:spTgt>
+                                        </p:tgtEl>
+                                        <p:attrNameLst>
+                                          <p:attrName>ppt_w</p:attrName>
+                                        </p:attrNameLst>
+                                      </p:cBhvr>
+                                      <p:tavLst>
+                                        <p:tav tm="0">
+                                          <p:val>
+                                            <p:fltVal val="0"/>
+                                          </p:val>
+                                        </p:tav>
+                                        <p:tav tm="100000">
+                                          <p:val>
+                                            <p:strVal val="#ppt_w"/>
+                                          </p:val>
+                                        </p:tav>
+                                      </p:tavLst>
+                                    </p:anim>
+                                    <p:anim calcmode="lin" valueType="num">
+                                      <p:cBhvr>
+                                        <p:cTn id="22" dur="500" fill="hold"/>
+                                        <p:tgtEl>
+                                          <p:spTgt spid="3">
+                                            <p:txEl>
+                                              <p:pRg st="5" end="5"/>
+                                            </p:txEl>
+                                          </p:spTgt>
+                                        </p:tgtEl>
+                                        <p:attrNameLst>
+                                          <p:attrName>ppt_h</p:attrName>
+                                        </p:attrNameLst>
+                                      </p:cBhvr>
+                                      <p:tavLst>
+                                        <p:tav tm="0">
+                                          <p:val>
+                                            <p:fltVal val="0"/>
+                                          </p:val>
+                                        </p:tav>
+                                        <p:tav tm="100000">
+                                          <p:val>
+                                            <p:strVal val="#ppt_h"/>
+                                          </p:val>
+                                        </p:tav>
+                                      </p:tavLst>
+                                    </p:anim>
+                                    <p:animEffect transition="in" filter="fade">
+                                      <p:cBhvr>
+                                        <p:cTn id="23" dur="500"/>
+                                        <p:tgtEl>
+                                          <p:spTgt spid="3">
+                                            <p:txEl>
+                                              <p:pRg st="5" end="5"/>
+                                            </p:txEl>
+                                          </p:spTgt>
+                                        </p:tgtEl>
+                                      </p:cBhvr>
+                                    </p:animEffect>
+                                  </p:childTnLst>
+                                </p:cTn>
+                              </p:par>
+                            </p:childTnLst>
+                          </p:cTn>
+                        </p:par>
+                      </p:childTnLst>
+                    </p:cTn>
+                  </p:par>
+                </p:childTnLst>
+              </p:cTn>
+              <p:prevCondLst>
+                <p:cond evt="onPrev" delay="0">
+                  <p:tgtEl>
+                    <p:sldTgt/>
+                  </p:tgtEl>
+                </p:cond>
+              </p:prevCondLst>
+              <p:nextCondLst>
+                <p:cond evt="onNext" delay="0">
+                  <p:tgtEl>
+                    <p:sldTgt/>
+                  </p:tgtEl>
+                </p:cond>
+              </p:nextCondLst>
+            </p:seq>
+          </p:childTnLst>
+        </p:cTn>
+      </p:par>
+    </p:tnLst>
+    <p:bldLst>
+      <p:bldP spid="3" grpId="0" build="p"/>
+    </p:bldLst>
+  </p:timing>
 </p:sld>
 </file>
 
@@ -7645,25 +8217,14 @@
           </a:p>
           <a:p>
             <a:r>
-              <a:rPr lang="en-PH" dirty="0"/>
-              <a:t>You can buy our NFT here no difficulty.</a:t>
-            </a:r>
-          </a:p>
-          <a:p>
-            <a:endParaRPr lang="en-PH" dirty="0"/>
-          </a:p>
-          <a:p>
-            <a:r>
-              <a:rPr lang="en-PH" dirty="0"/>
-              <a:t>This project is will never going to be Rug Pull because our team is legitimate and had their </a:t>
-            </a:r>
-            <a:r>
-              <a:rPr lang="en-PH" dirty="0" err="1"/>
-              <a:t>socmed</a:t>
+              <a:rPr lang="en-US" sz="1800" b="0" i="0" dirty="0">
+                <a:effectLst/>
+              </a:rPr>
+              <a:t>This website was built using HTML, CSS, Bootstrap, Git Bash, and GitHub</a:t>
             </a:r>
             <a:r>
               <a:rPr lang="en-PH" dirty="0"/>
-              <a:t> account linked in our website.</a:t>
+              <a:t>.</a:t>
             </a:r>
           </a:p>
           <a:p>
@@ -7671,9 +8232,29 @@
           </a:p>
           <a:p>
             <a:r>
-              <a:rPr lang="en-PH" dirty="0"/>
-              <a:t>This Website is also safe and secure.</a:t>
+              <a:rPr lang="en-PH" sz="1800" dirty="0"/>
+              <a:t>You can buy and sell our NFT </a:t>
             </a:r>
+            <a:r>
+              <a:rPr lang="en-PH" sz="1800"/>
+              <a:t>here with </a:t>
+            </a:r>
+            <a:r>
+              <a:rPr lang="en-PH" sz="1800" dirty="0"/>
+              <a:t>no difficulty.</a:t>
+            </a:r>
+          </a:p>
+          <a:p>
+            <a:endParaRPr lang="en-PH" dirty="0"/>
+          </a:p>
+          <a:p>
+            <a:r>
+              <a:rPr lang="en-US" sz="1800" b="0" i="0" dirty="0">
+                <a:effectLst/>
+              </a:rPr>
+              <a:t>This website guarantees safety and security for your peace of mind.</a:t>
+            </a:r>
+            <a:endParaRPr lang="en-PH" sz="1800" dirty="0"/>
           </a:p>
         </p:txBody>
       </p:sp>
@@ -7687,6 +8268,321 @@
   <p:clrMapOvr>
     <a:masterClrMapping/>
   </p:clrMapOvr>
+  <mc:AlternateContent xmlns:mc="http://schemas.openxmlformats.org/markup-compatibility/2006" xmlns:p14="http://schemas.microsoft.com/office/powerpoint/2010/main">
+    <mc:Choice Requires="p14">
+      <p:transition spd="med" p14:dur="700">
+        <p:fade/>
+      </p:transition>
+    </mc:Choice>
+    <mc:Fallback xmlns="">
+      <p:transition spd="med">
+        <p:fade/>
+      </p:transition>
+    </mc:Fallback>
+  </mc:AlternateContent>
+  <p:timing>
+    <p:tnLst>
+      <p:par>
+        <p:cTn id="1" dur="indefinite" restart="never" nodeType="tmRoot">
+          <p:childTnLst>
+            <p:seq concurrent="1" nextAc="seek">
+              <p:cTn id="2" dur="indefinite" nodeType="mainSeq">
+                <p:childTnLst>
+                  <p:par>
+                    <p:cTn id="3" fill="hold">
+                      <p:stCondLst>
+                        <p:cond delay="indefinite"/>
+                      </p:stCondLst>
+                      <p:childTnLst>
+                        <p:par>
+                          <p:cTn id="4" fill="hold">
+                            <p:stCondLst>
+                              <p:cond delay="0"/>
+                            </p:stCondLst>
+                            <p:childTnLst>
+                              <p:par>
+                                <p:cTn id="5" presetID="2" presetClass="entr" presetSubtype="4" fill="hold" nodeType="clickEffect">
+                                  <p:stCondLst>
+                                    <p:cond delay="0"/>
+                                  </p:stCondLst>
+                                  <p:childTnLst>
+                                    <p:set>
+                                      <p:cBhvr>
+                                        <p:cTn id="6" dur="1" fill="hold">
+                                          <p:stCondLst>
+                                            <p:cond delay="0"/>
+                                          </p:stCondLst>
+                                        </p:cTn>
+                                        <p:tgtEl>
+                                          <p:spTgt spid="3">
+                                            <p:txEl>
+                                              <p:pRg st="1" end="1"/>
+                                            </p:txEl>
+                                          </p:spTgt>
+                                        </p:tgtEl>
+                                        <p:attrNameLst>
+                                          <p:attrName>style.visibility</p:attrName>
+                                        </p:attrNameLst>
+                                      </p:cBhvr>
+                                      <p:to>
+                                        <p:strVal val="visible"/>
+                                      </p:to>
+                                    </p:set>
+                                    <p:anim calcmode="lin" valueType="num">
+                                      <p:cBhvr additive="base">
+                                        <p:cTn id="7" dur="500" fill="hold"/>
+                                        <p:tgtEl>
+                                          <p:spTgt spid="3">
+                                            <p:txEl>
+                                              <p:pRg st="1" end="1"/>
+                                            </p:txEl>
+                                          </p:spTgt>
+                                        </p:tgtEl>
+                                        <p:attrNameLst>
+                                          <p:attrName>ppt_x</p:attrName>
+                                        </p:attrNameLst>
+                                      </p:cBhvr>
+                                      <p:tavLst>
+                                        <p:tav tm="0">
+                                          <p:val>
+                                            <p:strVal val="#ppt_x"/>
+                                          </p:val>
+                                        </p:tav>
+                                        <p:tav tm="100000">
+                                          <p:val>
+                                            <p:strVal val="#ppt_x"/>
+                                          </p:val>
+                                        </p:tav>
+                                      </p:tavLst>
+                                    </p:anim>
+                                    <p:anim calcmode="lin" valueType="num">
+                                      <p:cBhvr additive="base">
+                                        <p:cTn id="8" dur="500" fill="hold"/>
+                                        <p:tgtEl>
+                                          <p:spTgt spid="3">
+                                            <p:txEl>
+                                              <p:pRg st="1" end="1"/>
+                                            </p:txEl>
+                                          </p:spTgt>
+                                        </p:tgtEl>
+                                        <p:attrNameLst>
+                                          <p:attrName>ppt_y</p:attrName>
+                                        </p:attrNameLst>
+                                      </p:cBhvr>
+                                      <p:tavLst>
+                                        <p:tav tm="0">
+                                          <p:val>
+                                            <p:strVal val="1+#ppt_h/2"/>
+                                          </p:val>
+                                        </p:tav>
+                                        <p:tav tm="100000">
+                                          <p:val>
+                                            <p:strVal val="#ppt_y"/>
+                                          </p:val>
+                                        </p:tav>
+                                      </p:tavLst>
+                                    </p:anim>
+                                  </p:childTnLst>
+                                </p:cTn>
+                              </p:par>
+                              <p:par>
+                                <p:cTn id="9" presetID="2" presetClass="entr" presetSubtype="4" fill="hold" nodeType="withEffect">
+                                  <p:stCondLst>
+                                    <p:cond delay="0"/>
+                                  </p:stCondLst>
+                                  <p:childTnLst>
+                                    <p:set>
+                                      <p:cBhvr>
+                                        <p:cTn id="10" dur="1" fill="hold">
+                                          <p:stCondLst>
+                                            <p:cond delay="0"/>
+                                          </p:stCondLst>
+                                        </p:cTn>
+                                        <p:tgtEl>
+                                          <p:spTgt spid="3">
+                                            <p:txEl>
+                                              <p:pRg st="3" end="3"/>
+                                            </p:txEl>
+                                          </p:spTgt>
+                                        </p:tgtEl>
+                                        <p:attrNameLst>
+                                          <p:attrName>style.visibility</p:attrName>
+                                        </p:attrNameLst>
+                                      </p:cBhvr>
+                                      <p:to>
+                                        <p:strVal val="visible"/>
+                                      </p:to>
+                                    </p:set>
+                                    <p:anim calcmode="lin" valueType="num">
+                                      <p:cBhvr additive="base">
+                                        <p:cTn id="11" dur="500" fill="hold"/>
+                                        <p:tgtEl>
+                                          <p:spTgt spid="3">
+                                            <p:txEl>
+                                              <p:pRg st="3" end="3"/>
+                                            </p:txEl>
+                                          </p:spTgt>
+                                        </p:tgtEl>
+                                        <p:attrNameLst>
+                                          <p:attrName>ppt_x</p:attrName>
+                                        </p:attrNameLst>
+                                      </p:cBhvr>
+                                      <p:tavLst>
+                                        <p:tav tm="0">
+                                          <p:val>
+                                            <p:strVal val="#ppt_x"/>
+                                          </p:val>
+                                        </p:tav>
+                                        <p:tav tm="100000">
+                                          <p:val>
+                                            <p:strVal val="#ppt_x"/>
+                                          </p:val>
+                                        </p:tav>
+                                      </p:tavLst>
+                                    </p:anim>
+                                    <p:anim calcmode="lin" valueType="num">
+                                      <p:cBhvr additive="base">
+                                        <p:cTn id="12" dur="500" fill="hold"/>
+                                        <p:tgtEl>
+                                          <p:spTgt spid="3">
+                                            <p:txEl>
+                                              <p:pRg st="3" end="3"/>
+                                            </p:txEl>
+                                          </p:spTgt>
+                                        </p:tgtEl>
+                                        <p:attrNameLst>
+                                          <p:attrName>ppt_y</p:attrName>
+                                        </p:attrNameLst>
+                                      </p:cBhvr>
+                                      <p:tavLst>
+                                        <p:tav tm="0">
+                                          <p:val>
+                                            <p:strVal val="1+#ppt_h/2"/>
+                                          </p:val>
+                                        </p:tav>
+                                        <p:tav tm="100000">
+                                          <p:val>
+                                            <p:strVal val="#ppt_y"/>
+                                          </p:val>
+                                        </p:tav>
+                                      </p:tavLst>
+                                    </p:anim>
+                                  </p:childTnLst>
+                                </p:cTn>
+                              </p:par>
+                              <p:par>
+                                <p:cTn id="13" presetID="2" presetClass="entr" presetSubtype="4" fill="hold" nodeType="withEffect">
+                                  <p:stCondLst>
+                                    <p:cond delay="0"/>
+                                  </p:stCondLst>
+                                  <p:childTnLst>
+                                    <p:set>
+                                      <p:cBhvr>
+                                        <p:cTn id="14" dur="1" fill="hold">
+                                          <p:stCondLst>
+                                            <p:cond delay="0"/>
+                                          </p:stCondLst>
+                                        </p:cTn>
+                                        <p:tgtEl>
+                                          <p:spTgt spid="3">
+                                            <p:txEl>
+                                              <p:pRg st="5" end="5"/>
+                                            </p:txEl>
+                                          </p:spTgt>
+                                        </p:tgtEl>
+                                        <p:attrNameLst>
+                                          <p:attrName>style.visibility</p:attrName>
+                                        </p:attrNameLst>
+                                      </p:cBhvr>
+                                      <p:to>
+                                        <p:strVal val="visible"/>
+                                      </p:to>
+                                    </p:set>
+                                    <p:anim calcmode="lin" valueType="num">
+                                      <p:cBhvr additive="base">
+                                        <p:cTn id="15" dur="500" fill="hold"/>
+                                        <p:tgtEl>
+                                          <p:spTgt spid="3">
+                                            <p:txEl>
+                                              <p:pRg st="5" end="5"/>
+                                            </p:txEl>
+                                          </p:spTgt>
+                                        </p:tgtEl>
+                                        <p:attrNameLst>
+                                          <p:attrName>ppt_x</p:attrName>
+                                        </p:attrNameLst>
+                                      </p:cBhvr>
+                                      <p:tavLst>
+                                        <p:tav tm="0">
+                                          <p:val>
+                                            <p:strVal val="#ppt_x"/>
+                                          </p:val>
+                                        </p:tav>
+                                        <p:tav tm="100000">
+                                          <p:val>
+                                            <p:strVal val="#ppt_x"/>
+                                          </p:val>
+                                        </p:tav>
+                                      </p:tavLst>
+                                    </p:anim>
+                                    <p:anim calcmode="lin" valueType="num">
+                                      <p:cBhvr additive="base">
+                                        <p:cTn id="16" dur="500" fill="hold"/>
+                                        <p:tgtEl>
+                                          <p:spTgt spid="3">
+                                            <p:txEl>
+                                              <p:pRg st="5" end="5"/>
+                                            </p:txEl>
+                                          </p:spTgt>
+                                        </p:tgtEl>
+                                        <p:attrNameLst>
+                                          <p:attrName>ppt_y</p:attrName>
+                                        </p:attrNameLst>
+                                      </p:cBhvr>
+                                      <p:tavLst>
+                                        <p:tav tm="0">
+                                          <p:val>
+                                            <p:strVal val="1+#ppt_h/2"/>
+                                          </p:val>
+                                        </p:tav>
+                                        <p:tav tm="100000">
+                                          <p:val>
+                                            <p:strVal val="#ppt_y"/>
+                                          </p:val>
+                                        </p:tav>
+                                      </p:tavLst>
+                                    </p:anim>
+                                  </p:childTnLst>
+                                </p:cTn>
+                              </p:par>
+                            </p:childTnLst>
+                          </p:cTn>
+                        </p:par>
+                      </p:childTnLst>
+                    </p:cTn>
+                  </p:par>
+                </p:childTnLst>
+              </p:cTn>
+              <p:prevCondLst>
+                <p:cond evt="onPrev" delay="0">
+                  <p:tgtEl>
+                    <p:sldTgt/>
+                  </p:tgtEl>
+                </p:cond>
+              </p:prevCondLst>
+              <p:nextCondLst>
+                <p:cond evt="onNext" delay="0">
+                  <p:tgtEl>
+                    <p:sldTgt/>
+                  </p:tgtEl>
+                </p:cond>
+              </p:nextCondLst>
+            </p:seq>
+          </p:childTnLst>
+        </p:cTn>
+      </p:par>
+    </p:tnLst>
+  </p:timing>
 </p:sld>
 </file>
 
@@ -7797,7 +8693,7 @@
           <a:p>
             <a:r>
               <a:rPr lang="en-PH" dirty="0"/>
-              <a:t>Other buttons aren’t functional. I will fix and improve this.</a:t>
+              <a:t>Other buttons aren’t functional yet. </a:t>
             </a:r>
           </a:p>
           <a:p>
@@ -7806,11 +8702,8 @@
           <a:p>
             <a:r>
               <a:rPr lang="en-PH" dirty="0"/>
-              <a:t>Some of contents aren’t mobile friendly. I will improve this soon.</a:t>
+              <a:t>Some of contents aren’t mobile friendly yet.</a:t>
             </a:r>
-          </a:p>
-          <a:p>
-            <a:endParaRPr lang="en-PH" dirty="0"/>
           </a:p>
         </p:txBody>
       </p:sp>
@@ -7824,6 +8717,143 @@
   <p:clrMapOvr>
     <a:masterClrMapping/>
   </p:clrMapOvr>
+  <p:transition spd="slow">
+    <p:randomBar dir="vert"/>
+  </p:transition>
+  <p:timing>
+    <p:tnLst>
+      <p:par>
+        <p:cTn id="1" dur="indefinite" restart="never" nodeType="tmRoot">
+          <p:childTnLst>
+            <p:seq concurrent="1" nextAc="seek">
+              <p:cTn id="2" dur="indefinite" nodeType="mainSeq">
+                <p:childTnLst>
+                  <p:par>
+                    <p:cTn id="3" fill="hold">
+                      <p:stCondLst>
+                        <p:cond delay="indefinite"/>
+                      </p:stCondLst>
+                      <p:childTnLst>
+                        <p:par>
+                          <p:cTn id="4" fill="hold">
+                            <p:stCondLst>
+                              <p:cond delay="0"/>
+                            </p:stCondLst>
+                            <p:childTnLst>
+                              <p:par>
+                                <p:cTn id="5" presetID="16" presetClass="entr" presetSubtype="21" fill="hold" nodeType="clickEffect">
+                                  <p:stCondLst>
+                                    <p:cond delay="0"/>
+                                  </p:stCondLst>
+                                  <p:childTnLst>
+                                    <p:set>
+                                      <p:cBhvr>
+                                        <p:cTn id="6" dur="1" fill="hold">
+                                          <p:stCondLst>
+                                            <p:cond delay="0"/>
+                                          </p:stCondLst>
+                                        </p:cTn>
+                                        <p:tgtEl>
+                                          <p:spTgt spid="3">
+                                            <p:txEl>
+                                              <p:pRg st="1" end="1"/>
+                                            </p:txEl>
+                                          </p:spTgt>
+                                        </p:tgtEl>
+                                        <p:attrNameLst>
+                                          <p:attrName>style.visibility</p:attrName>
+                                        </p:attrNameLst>
+                                      </p:cBhvr>
+                                      <p:to>
+                                        <p:strVal val="visible"/>
+                                      </p:to>
+                                    </p:set>
+                                    <p:animEffect transition="in" filter="barn(inVertical)">
+                                      <p:cBhvr>
+                                        <p:cTn id="7" dur="500"/>
+                                        <p:tgtEl>
+                                          <p:spTgt spid="3">
+                                            <p:txEl>
+                                              <p:pRg st="1" end="1"/>
+                                            </p:txEl>
+                                          </p:spTgt>
+                                        </p:tgtEl>
+                                      </p:cBhvr>
+                                    </p:animEffect>
+                                  </p:childTnLst>
+                                </p:cTn>
+                              </p:par>
+                              <p:par>
+                                <p:cTn id="8" presetID="16" presetClass="entr" presetSubtype="21" fill="hold" nodeType="withEffect">
+                                  <p:stCondLst>
+                                    <p:cond delay="0"/>
+                                  </p:stCondLst>
+                                  <p:childTnLst>
+                                    <p:set>
+                                      <p:cBhvr>
+                                        <p:cTn id="9" dur="1" fill="hold">
+                                          <p:stCondLst>
+                                            <p:cond delay="0"/>
+                                          </p:stCondLst>
+                                        </p:cTn>
+                                        <p:tgtEl>
+                                          <p:spTgt spid="3">
+                                            <p:txEl>
+                                              <p:pRg st="3" end="3"/>
+                                            </p:txEl>
+                                          </p:spTgt>
+                                        </p:tgtEl>
+                                        <p:attrNameLst>
+                                          <p:attrName>style.visibility</p:attrName>
+                                        </p:attrNameLst>
+                                      </p:cBhvr>
+                                      <p:to>
+                                        <p:strVal val="visible"/>
+                                      </p:to>
+                                    </p:set>
+                                    <p:animEffect transition="in" filter="barn(inVertical)">
+                                      <p:cBhvr>
+                                        <p:cTn id="10" dur="500"/>
+                                        <p:tgtEl>
+                                          <p:spTgt spid="3">
+                                            <p:txEl>
+                                              <p:pRg st="3" end="3"/>
+                                            </p:txEl>
+                                          </p:spTgt>
+                                        </p:tgtEl>
+                                      </p:cBhvr>
+                                    </p:animEffect>
+                                  </p:childTnLst>
+                                </p:cTn>
+                              </p:par>
+                            </p:childTnLst>
+                          </p:cTn>
+                        </p:par>
+                      </p:childTnLst>
+                    </p:cTn>
+                  </p:par>
+                </p:childTnLst>
+              </p:cTn>
+              <p:prevCondLst>
+                <p:cond evt="onPrev" delay="0">
+                  <p:tgtEl>
+                    <p:sldTgt/>
+                  </p:tgtEl>
+                </p:cond>
+              </p:prevCondLst>
+              <p:nextCondLst>
+                <p:cond evt="onNext" delay="0">
+                  <p:tgtEl>
+                    <p:sldTgt/>
+                  </p:tgtEl>
+                </p:cond>
+              </p:nextCondLst>
+            </p:seq>
+          </p:childTnLst>
+        </p:cTn>
+      </p:par>
+    </p:tnLst>
+  </p:timing>
 </p:sld>
 </file>
 
@@ -8406,24 +9436,6 @@
 </file>
 
 <file path=customXml/item1.xml><?xml version="1.0" encoding="utf-8"?>
-<p:properties xmlns:p="http://schemas.microsoft.com/office/2006/metadata/properties" xmlns:xsi="http://www.w3.org/2001/XMLSchema-instance" xmlns:pc="http://schemas.microsoft.com/office/infopath/2007/PartnerControls">
-  <documentManagement>
-    <Status xmlns="71af3243-3dd4-4a8d-8c0d-dd76da1f02a5">Not started</Status>
-    <MediaServiceKeyPoints xmlns="71af3243-3dd4-4a8d-8c0d-dd76da1f02a5" xsi:nil="true"/>
-  </documentManagement>
-</p:properties>
-</file>
-
-<file path=customXml/item2.xml><?xml version="1.0" encoding="utf-8"?>
-<?mso-contentType ?>
-<FormTemplates xmlns="http://schemas.microsoft.com/sharepoint/v3/contenttype/forms">
-  <Display>DocumentLibraryForm</Display>
-  <Edit>DocumentLibraryForm</Edit>
-  <New>DocumentLibraryForm</New>
-</FormTemplates>
-</file>
-
-<file path=customXml/item3.xml><?xml version="1.0" encoding="utf-8"?>
 <ct:contentTypeSchema xmlns:ct="http://schemas.microsoft.com/office/2006/metadata/contentType" xmlns:ma="http://schemas.microsoft.com/office/2006/metadata/properties/metaAttributes" ct:_="" ma:_="" ma:contentTypeName="Document" ma:contentTypeID="0x01010079F111ED35F8CC479449609E8A0923A6" ma:contentTypeVersion="12" ma:contentTypeDescription="Create a new document." ma:contentTypeScope="" ma:versionID="a410dd7f93c95333ffa1b60ed6adedd1">
   <xsd:schema xmlns:xsd="http://www.w3.org/2001/XMLSchema" xmlns:xs="http://www.w3.org/2001/XMLSchema" xmlns:p="http://schemas.microsoft.com/office/2006/metadata/properties" xmlns:ns2="71af3243-3dd4-4a8d-8c0d-dd76da1f02a5" xmlns:ns3="16c05727-aa75-4e4a-9b5f-8a80a1165891" targetNamespace="http://schemas.microsoft.com/office/2006/metadata/properties" ma:root="true" ma:fieldsID="a936d9baba76aa3866493feff160faab" ns2:_="" ns3:_="">
     <xsd:import namespace="71af3243-3dd4-4a8d-8c0d-dd76da1f02a5"/>
@@ -8644,25 +9656,25 @@
 </ct:contentTypeSchema>
 </file>
 
-<file path=customXml/itemProps1.xml><?xml version="1.0" encoding="utf-8"?>
-<ds:datastoreItem xmlns:ds="http://schemas.openxmlformats.org/officeDocument/2006/customXml" ds:itemID="{3A6D3478-2986-4664-940C-67E0CAA21E04}">
-  <ds:schemaRefs>
-    <ds:schemaRef ds:uri="http://schemas.microsoft.com/office/2006/metadata/properties"/>
-    <ds:schemaRef ds:uri="http://schemas.microsoft.com/office/infopath/2007/PartnerControls"/>
-    <ds:schemaRef ds:uri="71af3243-3dd4-4a8d-8c0d-dd76da1f02a5"/>
-  </ds:schemaRefs>
-</ds:datastoreItem>
+<file path=customXml/item2.xml><?xml version="1.0" encoding="utf-8"?>
+<?mso-contentType ?>
+<FormTemplates xmlns="http://schemas.microsoft.com/sharepoint/v3/contenttype/forms">
+  <Display>DocumentLibraryForm</Display>
+  <Edit>DocumentLibraryForm</Edit>
+  <New>DocumentLibraryForm</New>
+</FormTemplates>
 </file>
 
-<file path=customXml/itemProps2.xml><?xml version="1.0" encoding="utf-8"?>
-<ds:datastoreItem xmlns:ds="http://schemas.openxmlformats.org/officeDocument/2006/customXml" ds:itemID="{B116C154-5A0F-4CDC-8C15-D2E21584649C}">
-  <ds:schemaRefs>
-    <ds:schemaRef ds:uri="http://schemas.microsoft.com/sharepoint/v3/contenttype/forms"/>
-  </ds:schemaRefs>
-</ds:datastoreItem>
+<file path=customXml/item3.xml><?xml version="1.0" encoding="utf-8"?>
+<p:properties xmlns:p="http://schemas.microsoft.com/office/2006/metadata/properties" xmlns:xsi="http://www.w3.org/2001/XMLSchema-instance" xmlns:pc="http://schemas.microsoft.com/office/infopath/2007/PartnerControls">
+  <documentManagement>
+    <Status xmlns="71af3243-3dd4-4a8d-8c0d-dd76da1f02a5">Not started</Status>
+    <MediaServiceKeyPoints xmlns="71af3243-3dd4-4a8d-8c0d-dd76da1f02a5" xsi:nil="true"/>
+  </documentManagement>
+</p:properties>
 </file>
 
-<file path=customXml/itemProps3.xml><?xml version="1.0" encoding="utf-8"?>
+<file path=customXml/itemProps1.xml><?xml version="1.0" encoding="utf-8"?>
 <ds:datastoreItem xmlns:ds="http://schemas.openxmlformats.org/officeDocument/2006/customXml" ds:itemID="{956C3F92-CC28-42D8-BF09-077075551065}">
   <ds:schemaRefs>
     <ds:schemaRef ds:uri="http://schemas.microsoft.com/office/2006/metadata/contentType"/>
@@ -8679,4 +9691,22 @@
     <ds:schemaRef ds:uri="http://schemas.microsoft.com/internal/obd"/>
   </ds:schemaRefs>
 </ds:datastoreItem>
+</file>
+
+<file path=customXml/itemProps2.xml><?xml version="1.0" encoding="utf-8"?>
+<ds:datastoreItem xmlns:ds="http://schemas.openxmlformats.org/officeDocument/2006/customXml" ds:itemID="{B116C154-5A0F-4CDC-8C15-D2E21584649C}">
+  <ds:schemaRefs>
+    <ds:schemaRef ds:uri="http://schemas.microsoft.com/sharepoint/v3/contenttype/forms"/>
+  </ds:schemaRefs>
+</ds:datastoreItem>
+</file>
+
+<file path=customXml/itemProps3.xml><?xml version="1.0" encoding="utf-8"?>
+<ds:datastoreItem xmlns:ds="http://schemas.openxmlformats.org/officeDocument/2006/customXml" ds:itemID="{3A6D3478-2986-4664-940C-67E0CAA21E04}">
+  <ds:schemaRefs>
+    <ds:schemaRef ds:uri="http://schemas.microsoft.com/office/2006/metadata/properties"/>
+    <ds:schemaRef ds:uri="http://schemas.microsoft.com/office/infopath/2007/PartnerControls"/>
+    <ds:schemaRef ds:uri="71af3243-3dd4-4a8d-8c0d-dd76da1f02a5"/>
+  </ds:schemaRefs>
+</ds:datastoreItem>
 </file>